--- a/Komposiutm_ppp.pptx
+++ b/Komposiutm_ppp.pptx
@@ -8,9 +8,11 @@
     <p:sldId id="256" r:id="rId2"/>
     <p:sldId id="257" r:id="rId3"/>
     <p:sldId id="258" r:id="rId4"/>
-    <p:sldId id="259" r:id="rId5"/>
-    <p:sldId id="260" r:id="rId6"/>
-    <p:sldId id="261" r:id="rId7"/>
+    <p:sldId id="260" r:id="rId5"/>
+    <p:sldId id="262" r:id="rId6"/>
+    <p:sldId id="264" r:id="rId7"/>
+    <p:sldId id="261" r:id="rId8"/>
+    <p:sldId id="263" r:id="rId9"/>
   </p:sldIdLst>
   <p:sldSz cx="12192000" cy="6858000"/>
   <p:notesSz cx="6858000" cy="9144000"/>
@@ -109,6 +111,11 @@
       </a:defRPr>
     </a:lvl9pPr>
   </p:defaultTextStyle>
+  <p:extLst>
+    <p:ext uri="{EFAFB233-063F-42B5-8137-9DF3F51BA10A}">
+      <p15:sldGuideLst xmlns:p15="http://schemas.microsoft.com/office/powerpoint/2012/main"/>
+    </p:ext>
+  </p:extLst>
 </p:presentation>
 </file>
 
@@ -259,7 +266,7 @@
           <a:p>
             <a:fld id="{4784A6CC-51C7-4264-A5F9-49A2A259302E}" type="datetimeFigureOut">
               <a:rPr lang="de-DE" smtClean="0"/>
-              <a:t>05.11.2018</a:t>
+              <a:t>17.11.2018</a:t>
             </a:fld>
             <a:endParaRPr lang="de-DE"/>
           </a:p>
@@ -457,7 +464,7 @@
           <a:p>
             <a:fld id="{4784A6CC-51C7-4264-A5F9-49A2A259302E}" type="datetimeFigureOut">
               <a:rPr lang="de-DE" smtClean="0"/>
-              <a:t>05.11.2018</a:t>
+              <a:t>17.11.2018</a:t>
             </a:fld>
             <a:endParaRPr lang="de-DE"/>
           </a:p>
@@ -665,7 +672,7 @@
           <a:p>
             <a:fld id="{4784A6CC-51C7-4264-A5F9-49A2A259302E}" type="datetimeFigureOut">
               <a:rPr lang="de-DE" smtClean="0"/>
-              <a:t>05.11.2018</a:t>
+              <a:t>17.11.2018</a:t>
             </a:fld>
             <a:endParaRPr lang="de-DE"/>
           </a:p>
@@ -863,7 +870,7 @@
           <a:p>
             <a:fld id="{4784A6CC-51C7-4264-A5F9-49A2A259302E}" type="datetimeFigureOut">
               <a:rPr lang="de-DE" smtClean="0"/>
-              <a:t>05.11.2018</a:t>
+              <a:t>17.11.2018</a:t>
             </a:fld>
             <a:endParaRPr lang="de-DE"/>
           </a:p>
@@ -1138,7 +1145,7 @@
           <a:p>
             <a:fld id="{4784A6CC-51C7-4264-A5F9-49A2A259302E}" type="datetimeFigureOut">
               <a:rPr lang="de-DE" smtClean="0"/>
-              <a:t>05.11.2018</a:t>
+              <a:t>17.11.2018</a:t>
             </a:fld>
             <a:endParaRPr lang="de-DE"/>
           </a:p>
@@ -1403,7 +1410,7 @@
           <a:p>
             <a:fld id="{4784A6CC-51C7-4264-A5F9-49A2A259302E}" type="datetimeFigureOut">
               <a:rPr lang="de-DE" smtClean="0"/>
-              <a:t>05.11.2018</a:t>
+              <a:t>17.11.2018</a:t>
             </a:fld>
             <a:endParaRPr lang="de-DE"/>
           </a:p>
@@ -1815,7 +1822,7 @@
           <a:p>
             <a:fld id="{4784A6CC-51C7-4264-A5F9-49A2A259302E}" type="datetimeFigureOut">
               <a:rPr lang="de-DE" smtClean="0"/>
-              <a:t>05.11.2018</a:t>
+              <a:t>17.11.2018</a:t>
             </a:fld>
             <a:endParaRPr lang="de-DE"/>
           </a:p>
@@ -1956,7 +1963,7 @@
           <a:p>
             <a:fld id="{4784A6CC-51C7-4264-A5F9-49A2A259302E}" type="datetimeFigureOut">
               <a:rPr lang="de-DE" smtClean="0"/>
-              <a:t>05.11.2018</a:t>
+              <a:t>17.11.2018</a:t>
             </a:fld>
             <a:endParaRPr lang="de-DE"/>
           </a:p>
@@ -2069,7 +2076,7 @@
           <a:p>
             <a:fld id="{4784A6CC-51C7-4264-A5F9-49A2A259302E}" type="datetimeFigureOut">
               <a:rPr lang="de-DE" smtClean="0"/>
-              <a:t>05.11.2018</a:t>
+              <a:t>17.11.2018</a:t>
             </a:fld>
             <a:endParaRPr lang="de-DE"/>
           </a:p>
@@ -2380,7 +2387,7 @@
           <a:p>
             <a:fld id="{4784A6CC-51C7-4264-A5F9-49A2A259302E}" type="datetimeFigureOut">
               <a:rPr lang="de-DE" smtClean="0"/>
-              <a:t>05.11.2018</a:t>
+              <a:t>17.11.2018</a:t>
             </a:fld>
             <a:endParaRPr lang="de-DE"/>
           </a:p>
@@ -2668,7 +2675,7 @@
           <a:p>
             <a:fld id="{4784A6CC-51C7-4264-A5F9-49A2A259302E}" type="datetimeFigureOut">
               <a:rPr lang="de-DE" smtClean="0"/>
-              <a:t>05.11.2018</a:t>
+              <a:t>17.11.2018</a:t>
             </a:fld>
             <a:endParaRPr lang="de-DE"/>
           </a:p>
@@ -2909,7 +2916,7 @@
           <a:p>
             <a:fld id="{4784A6CC-51C7-4264-A5F9-49A2A259302E}" type="datetimeFigureOut">
               <a:rPr lang="de-DE" smtClean="0"/>
-              <a:t>05.11.2018</a:t>
+              <a:t>17.11.2018</a:t>
             </a:fld>
             <a:endParaRPr lang="de-DE"/>
           </a:p>
@@ -3312,6 +3319,14 @@
 <file path=ppt/slides/slide1.xml><?xml version="1.0" encoding="utf-8"?>
 <p:sld xmlns:a="http://schemas.openxmlformats.org/drawingml/2006/main" xmlns:r="http://schemas.openxmlformats.org/officeDocument/2006/relationships" xmlns:p="http://schemas.openxmlformats.org/presentationml/2006/main">
   <p:cSld>
+    <p:bg>
+      <p:bgPr>
+        <a:solidFill>
+          <a:schemeClr val="tx1"/>
+        </a:solidFill>
+        <a:effectLst/>
+      </p:bgPr>
+    </p:bg>
     <p:spTree>
       <p:nvGrpSpPr>
         <p:cNvPr id="1" name=""/>
@@ -3328,6 +3343,140 @@
       </p:grpSpPr>
       <p:sp>
         <p:nvSpPr>
+          <p:cNvPr id="8" name="Rectangle 7">
+            <a:extLst>
+              <a:ext uri="{FF2B5EF4-FFF2-40B4-BE49-F238E27FC236}">
+                <a16:creationId xmlns:a16="http://schemas.microsoft.com/office/drawing/2014/main" id="{2A8AA5BC-4F7A-4226-8F99-6D824B226A97}"/>
+              </a:ext>
+              <a:ext uri="{C183D7F6-B498-43B3-948B-1728B52AA6E4}">
+                <adec:decorative xmlns:adec="http://schemas.microsoft.com/office/drawing/2017/decorative" val="1"/>
+              </a:ext>
+            </a:extLst>
+          </p:cNvPr>
+          <p:cNvSpPr>
+            <a:spLocks noGrp="1" noRot="1" noChangeAspect="1" noMove="1" noResize="1" noEditPoints="1" noAdjustHandles="1" noChangeArrowheads="1" noChangeShapeType="1" noTextEdit="1"/>
+          </p:cNvSpPr>
+          <p:nvPr>
+            <p:extLst>
+              <p:ext uri="{386F3935-93C4-4BCD-93E2-E3B085C9AB24}">
+                <p16:designElem xmlns:p16="http://schemas.microsoft.com/office/powerpoint/2015/main" val="1"/>
+              </p:ext>
+            </p:extLst>
+          </p:nvPr>
+        </p:nvSpPr>
+        <p:spPr>
+          <a:xfrm>
+            <a:off x="0" y="-3324"/>
+            <a:ext cx="12192000" cy="6861324"/>
+          </a:xfrm>
+          <a:prstGeom prst="rect">
+            <a:avLst/>
+          </a:prstGeom>
+          <a:solidFill>
+            <a:schemeClr val="tx1"/>
+          </a:solidFill>
+          <a:ln>
+            <a:noFill/>
+          </a:ln>
+        </p:spPr>
+        <p:style>
+          <a:lnRef idx="2">
+            <a:schemeClr val="accent1">
+              <a:shade val="50000"/>
+            </a:schemeClr>
+          </a:lnRef>
+          <a:fillRef idx="1">
+            <a:schemeClr val="accent1"/>
+          </a:fillRef>
+          <a:effectRef idx="0">
+            <a:schemeClr val="accent1"/>
+          </a:effectRef>
+          <a:fontRef idx="minor">
+            <a:schemeClr val="lt1"/>
+          </a:fontRef>
+        </p:style>
+        <p:txBody>
+          <a:bodyPr rtlCol="0" anchor="ctr"/>
+          <a:lstStyle/>
+          <a:p>
+            <a:pPr algn="ctr"/>
+            <a:endParaRPr lang="en-US"/>
+          </a:p>
+        </p:txBody>
+      </p:sp>
+      <p:sp>
+        <p:nvSpPr>
+          <p:cNvPr id="10" name="Rectangle 9">
+            <a:extLst>
+              <a:ext uri="{FF2B5EF4-FFF2-40B4-BE49-F238E27FC236}">
+                <a16:creationId xmlns:a16="http://schemas.microsoft.com/office/drawing/2014/main" id="{3E5445C6-DD42-4979-86FF-03730E8C6DB0}"/>
+              </a:ext>
+              <a:ext uri="{C183D7F6-B498-43B3-948B-1728B52AA6E4}">
+                <adec:decorative xmlns:adec="http://schemas.microsoft.com/office/drawing/2017/decorative" val="1"/>
+              </a:ext>
+            </a:extLst>
+          </p:cNvPr>
+          <p:cNvSpPr>
+            <a:spLocks noGrp="1" noRot="1" noChangeAspect="1" noMove="1" noResize="1" noEditPoints="1" noAdjustHandles="1" noChangeArrowheads="1" noChangeShapeType="1" noTextEdit="1"/>
+          </p:cNvSpPr>
+          <p:nvPr>
+            <p:extLst>
+              <p:ext uri="{386F3935-93C4-4BCD-93E2-E3B085C9AB24}">
+                <p16:designElem xmlns:p16="http://schemas.microsoft.com/office/powerpoint/2015/main" val="1"/>
+              </p:ext>
+            </p:extLst>
+          </p:nvPr>
+        </p:nvSpPr>
+        <p:spPr bwMode="ltGray">
+          <a:xfrm>
+            <a:off x="321734" y="321733"/>
+            <a:ext cx="11573488" cy="6214534"/>
+          </a:xfrm>
+          <a:prstGeom prst="rect">
+            <a:avLst/>
+          </a:prstGeom>
+          <a:solidFill>
+            <a:schemeClr val="bg1">
+              <a:lumMod val="75000"/>
+              <a:lumOff val="25000"/>
+            </a:schemeClr>
+          </a:solidFill>
+          <a:ln w="127000" cap="sq" cmpd="thinThick">
+            <a:solidFill>
+              <a:schemeClr val="bg1">
+                <a:lumMod val="75000"/>
+                <a:lumOff val="25000"/>
+              </a:schemeClr>
+            </a:solidFill>
+          </a:ln>
+        </p:spPr>
+        <p:style>
+          <a:lnRef idx="2">
+            <a:schemeClr val="accent1">
+              <a:shade val="50000"/>
+            </a:schemeClr>
+          </a:lnRef>
+          <a:fillRef idx="1">
+            <a:schemeClr val="accent1"/>
+          </a:fillRef>
+          <a:effectRef idx="0">
+            <a:schemeClr val="accent1"/>
+          </a:effectRef>
+          <a:fontRef idx="minor">
+            <a:schemeClr val="lt1"/>
+          </a:fontRef>
+        </p:style>
+        <p:txBody>
+          <a:bodyPr rtlCol="0" anchor="ctr"/>
+          <a:lstStyle/>
+          <a:p>
+            <a:pPr algn="ctr"/>
+            <a:endParaRPr lang="en-US"/>
+          </a:p>
+        </p:txBody>
+      </p:sp>
+      <p:sp>
+        <p:nvSpPr>
           <p:cNvPr id="2" name="Titel 1">
             <a:extLst>
               <a:ext uri="{FF2B5EF4-FFF2-40B4-BE49-F238E27FC236}">
@@ -3342,14 +3491,21 @@
             <p:ph type="ctrTitle"/>
           </p:nvPr>
         </p:nvSpPr>
-        <p:spPr/>
-        <p:txBody>
-          <a:bodyPr/>
-          <a:lstStyle/>
-          <a:p>
-            <a:r>
-              <a:rPr lang="de-DE" dirty="0"/>
-              <a:t>Kompositum</a:t>
+        <p:spPr>
+          <a:xfrm>
+            <a:off x="1524000" y="1122362"/>
+            <a:ext cx="9144000" cy="2840037"/>
+          </a:xfrm>
+        </p:spPr>
+        <p:txBody>
+          <a:bodyPr>
+            <a:normAutofit/>
+          </a:bodyPr>
+          <a:lstStyle/>
+          <a:p>
+            <a:r>
+              <a:rPr lang="de-DE" sz="5800" dirty="0"/>
+              <a:t>Composite</a:t>
             </a:r>
           </a:p>
         </p:txBody>
@@ -3370,15 +3526,83 @@
             <p:ph type="subTitle" idx="1"/>
           </p:nvPr>
         </p:nvSpPr>
-        <p:spPr/>
-        <p:txBody>
-          <a:bodyPr/>
-          <a:lstStyle/>
-          <a:p>
-            <a:endParaRPr lang="de-DE" dirty="0"/>
-          </a:p>
-        </p:txBody>
-      </p:sp>
+        <p:spPr>
+          <a:xfrm>
+            <a:off x="1524000" y="4256436"/>
+            <a:ext cx="9144000" cy="1600818"/>
+          </a:xfrm>
+        </p:spPr>
+        <p:txBody>
+          <a:bodyPr>
+            <a:normAutofit/>
+          </a:bodyPr>
+          <a:lstStyle/>
+          <a:p>
+            <a:r>
+              <a:rPr lang="de-DE">
+                <a:solidFill>
+                  <a:schemeClr val="accent1"/>
+                </a:solidFill>
+              </a:rPr>
+              <a:t>Bastian Schwaighofer</a:t>
+            </a:r>
+          </a:p>
+        </p:txBody>
+      </p:sp>
+      <p:cxnSp>
+        <p:nvCxnSpPr>
+          <p:cNvPr id="12" name="Straight Connector 11">
+            <a:extLst>
+              <a:ext uri="{FF2B5EF4-FFF2-40B4-BE49-F238E27FC236}">
+                <a16:creationId xmlns:a16="http://schemas.microsoft.com/office/drawing/2014/main" id="{45000665-DFC7-417E-8FD7-516A0F15C975}"/>
+              </a:ext>
+              <a:ext uri="{C183D7F6-B498-43B3-948B-1728B52AA6E4}">
+                <adec:decorative xmlns:adec="http://schemas.microsoft.com/office/drawing/2017/decorative" val="1"/>
+              </a:ext>
+            </a:extLst>
+          </p:cNvPr>
+          <p:cNvCxnSpPr>
+            <a:cxnSpLocks noGrp="1" noRot="1" noChangeAspect="1" noMove="1" noResize="1" noEditPoints="1" noAdjustHandles="1" noChangeArrowheads="1" noChangeShapeType="1"/>
+          </p:cNvCxnSpPr>
+          <p:nvPr>
+            <p:extLst>
+              <p:ext uri="{386F3935-93C4-4BCD-93E2-E3B085C9AB24}">
+                <p16:designElem xmlns:p16="http://schemas.microsoft.com/office/powerpoint/2015/main" val="1"/>
+              </p:ext>
+            </p:extLst>
+          </p:nvPr>
+        </p:nvCxnSpPr>
+        <p:spPr>
+          <a:xfrm>
+            <a:off x="4724400" y="4109417"/>
+            <a:ext cx="2743200" cy="0"/>
+          </a:xfrm>
+          <a:prstGeom prst="line">
+            <a:avLst/>
+          </a:prstGeom>
+          <a:ln w="12700">
+            <a:solidFill>
+              <a:schemeClr val="tx1">
+                <a:lumMod val="85000"/>
+              </a:schemeClr>
+            </a:solidFill>
+          </a:ln>
+        </p:spPr>
+        <p:style>
+          <a:lnRef idx="1">
+            <a:schemeClr val="accent1"/>
+          </a:lnRef>
+          <a:fillRef idx="0">
+            <a:schemeClr val="accent1"/>
+          </a:fillRef>
+          <a:effectRef idx="0">
+            <a:schemeClr val="accent1"/>
+          </a:effectRef>
+          <a:fontRef idx="minor">
+            <a:schemeClr val="tx1"/>
+          </a:fontRef>
+        </p:style>
+      </p:cxnSp>
     </p:spTree>
     <p:extLst>
       <p:ext uri="{BB962C8B-B14F-4D97-AF65-F5344CB8AC3E}">
@@ -3387,7 +3611,7 @@
     </p:extLst>
   </p:cSld>
   <p:clrMapOvr>
-    <a:masterClrMapping/>
+    <a:overrideClrMapping bg1="dk1" tx1="lt1" bg2="dk2" tx2="lt2" accent1="accent1" accent2="accent2" accent3="accent3" accent4="accent4" accent5="accent5" accent6="accent6" hlink="hlink" folHlink="folHlink"/>
   </p:clrMapOvr>
 </p:sld>
 </file>
@@ -3556,7 +3780,7 @@
           <a:lstStyle/>
           <a:p>
             <a:r>
-              <a:rPr lang="de-DE" sz="2000">
+              <a:rPr lang="de-DE" sz="2000" dirty="0">
                 <a:solidFill>
                   <a:schemeClr val="bg1"/>
                 </a:solidFill>
@@ -3569,17 +3793,17 @@
               <a:buNone/>
             </a:pPr>
             <a:r>
-              <a:rPr lang="de-DE" sz="2000">
+              <a:rPr lang="de-DE" sz="2000" dirty="0">
                 <a:solidFill>
                   <a:schemeClr val="bg1"/>
                 </a:solidFill>
                 <a:sym typeface="Wingdings" panose="05000000000000000000" pitchFamily="2" charset="2"/>
               </a:rPr>
-              <a:t>	Erleichtert Softwareentwurf durch Beziehungen</a:t>
-            </a:r>
-          </a:p>
-          <a:p>
-            <a:endParaRPr lang="de-DE" sz="2000">
+              <a:t>Erleichtert Softwareentwurf durch Beziehungen</a:t>
+            </a:r>
+          </a:p>
+          <a:p>
+            <a:endParaRPr lang="de-DE" sz="2000" dirty="0">
               <a:solidFill>
                 <a:schemeClr val="bg1"/>
               </a:solidFill>
@@ -3588,7 +3812,7 @@
           </a:p>
           <a:p>
             <a:r>
-              <a:rPr lang="de-DE" sz="2000">
+              <a:rPr lang="de-DE" sz="2000" dirty="0">
                 <a:solidFill>
                   <a:schemeClr val="bg1"/>
                 </a:solidFill>
@@ -3600,7 +3824,7 @@
           <a:p>
             <a:pPr lvl="1"/>
             <a:r>
-              <a:rPr lang="de-DE" sz="2000">
+              <a:rPr lang="de-DE" sz="2000" dirty="0">
                 <a:solidFill>
                   <a:schemeClr val="bg1"/>
                 </a:solidFill>
@@ -3948,128 +4172,6 @@
 <file path=ppt/slides/slide4.xml><?xml version="1.0" encoding="utf-8"?>
 <p:sld xmlns:a="http://schemas.openxmlformats.org/drawingml/2006/main" xmlns:r="http://schemas.openxmlformats.org/officeDocument/2006/relationships" xmlns:p="http://schemas.openxmlformats.org/presentationml/2006/main">
   <p:cSld>
-    <p:spTree>
-      <p:nvGrpSpPr>
-        <p:cNvPr id="1" name=""/>
-        <p:cNvGrpSpPr/>
-        <p:nvPr/>
-      </p:nvGrpSpPr>
-      <p:grpSpPr>
-        <a:xfrm>
-          <a:off x="0" y="0"/>
-          <a:ext cx="0" cy="0"/>
-          <a:chOff x="0" y="0"/>
-          <a:chExt cx="0" cy="0"/>
-        </a:xfrm>
-      </p:grpSpPr>
-      <p:sp>
-        <p:nvSpPr>
-          <p:cNvPr id="2" name="Titel 1">
-            <a:extLst>
-              <a:ext uri="{FF2B5EF4-FFF2-40B4-BE49-F238E27FC236}">
-                <a16:creationId xmlns:a16="http://schemas.microsoft.com/office/drawing/2014/main" id="{622AE5C0-E80D-4481-923D-53AE40260167}"/>
-              </a:ext>
-            </a:extLst>
-          </p:cNvPr>
-          <p:cNvSpPr>
-            <a:spLocks noGrp="1"/>
-          </p:cNvSpPr>
-          <p:nvPr>
-            <p:ph type="title"/>
-          </p:nvPr>
-        </p:nvSpPr>
-        <p:spPr/>
-        <p:txBody>
-          <a:bodyPr/>
-          <a:lstStyle/>
-          <a:p>
-            <a:r>
-              <a:rPr lang="de-DE" dirty="0"/>
-              <a:t>Vor- und Nachteile</a:t>
-            </a:r>
-          </a:p>
-        </p:txBody>
-      </p:sp>
-      <p:sp>
-        <p:nvSpPr>
-          <p:cNvPr id="3" name="Inhaltsplatzhalter 2">
-            <a:extLst>
-              <a:ext uri="{FF2B5EF4-FFF2-40B4-BE49-F238E27FC236}">
-                <a16:creationId xmlns:a16="http://schemas.microsoft.com/office/drawing/2014/main" id="{C39ADBBF-216D-46BB-82C8-6D7AB5AD7894}"/>
-              </a:ext>
-            </a:extLst>
-          </p:cNvPr>
-          <p:cNvSpPr>
-            <a:spLocks noGrp="1"/>
-          </p:cNvSpPr>
-          <p:nvPr>
-            <p:ph idx="1"/>
-          </p:nvPr>
-        </p:nvSpPr>
-        <p:spPr/>
-        <p:txBody>
-          <a:bodyPr/>
-          <a:lstStyle/>
-          <a:p>
-            <a:pPr marL="0" indent="0">
-              <a:buNone/>
-            </a:pPr>
-            <a:r>
-              <a:rPr lang="de-DE" sz="7200" b="1" dirty="0"/>
-              <a:t>+</a:t>
-            </a:r>
-          </a:p>
-          <a:p>
-            <a:r>
-              <a:rPr lang="de-DE" dirty="0"/>
-              <a:t>Einheitliche Behandlung von Kompositionen und Primitiven </a:t>
-            </a:r>
-          </a:p>
-          <a:p>
-            <a:r>
-              <a:rPr lang="de-DE" dirty="0"/>
-              <a:t>Leicht erweiterbar</a:t>
-            </a:r>
-          </a:p>
-          <a:p>
-            <a:pPr marL="0" indent="0">
-              <a:buNone/>
-            </a:pPr>
-            <a:r>
-              <a:rPr lang="de-DE" sz="7200" b="1" dirty="0"/>
-              <a:t>-</a:t>
-            </a:r>
-          </a:p>
-          <a:p>
-            <a:r>
-              <a:rPr lang="de-DE" dirty="0"/>
-              <a:t>Zu allgemeiner Entwurf erschwert Typprüfung</a:t>
-            </a:r>
-          </a:p>
-          <a:p>
-            <a:pPr marL="0" indent="0">
-              <a:buNone/>
-            </a:pPr>
-            <a:endParaRPr lang="de-DE" sz="7200" b="1" dirty="0"/>
-          </a:p>
-        </p:txBody>
-      </p:sp>
-    </p:spTree>
-    <p:extLst>
-      <p:ext uri="{BB962C8B-B14F-4D97-AF65-F5344CB8AC3E}">
-        <p14:creationId xmlns:p14="http://schemas.microsoft.com/office/powerpoint/2010/main" val="3308277399"/>
-      </p:ext>
-    </p:extLst>
-  </p:cSld>
-  <p:clrMapOvr>
-    <a:masterClrMapping/>
-  </p:clrMapOvr>
-</p:sld>
-</file>
-
-<file path=ppt/slides/slide5.xml><?xml version="1.0" encoding="utf-8"?>
-<p:sld xmlns:a="http://schemas.openxmlformats.org/drawingml/2006/main" xmlns:r="http://schemas.openxmlformats.org/officeDocument/2006/relationships" xmlns:p="http://schemas.openxmlformats.org/presentationml/2006/main">
-  <p:cSld>
     <p:bg>
       <p:bgPr>
         <a:solidFill>
@@ -4094,7 +4196,7 @@
       </p:grpSpPr>
       <p:sp>
         <p:nvSpPr>
-          <p:cNvPr id="22" name="Rectangle 21">
+          <p:cNvPr id="52" name="Rectangle 51">
             <a:extLst>
               <a:ext uri="{FF2B5EF4-FFF2-40B4-BE49-F238E27FC236}">
                 <a16:creationId xmlns:a16="http://schemas.microsoft.com/office/drawing/2014/main" id="{AB45A142-4255-493C-8284-5D566C121B10}"/>
@@ -4206,7 +4308,7 @@
       </p:sp>
       <p:cxnSp>
         <p:nvCxnSpPr>
-          <p:cNvPr id="24" name="Straight Connector 23">
+          <p:cNvPr id="54" name="Straight Connector 53">
             <a:extLst>
               <a:ext uri="{FF2B5EF4-FFF2-40B4-BE49-F238E27FC236}">
                 <a16:creationId xmlns:a16="http://schemas.microsoft.com/office/drawing/2014/main" id="{38FB9660-F42F-4313-BBC4-47C007FE484C}"/>
@@ -4258,10 +4360,10 @@
       </p:cxnSp>
       <p:pic>
         <p:nvPicPr>
-          <p:cNvPr id="12" name="Inhaltsplatzhalter 8" descr="Ein Bild, das Screenshot, Text enthält.&#10;&#10;Mit sehr hoher Zuverlässigkeit generierte Beschreibung">
-            <a:extLst>
-              <a:ext uri="{FF2B5EF4-FFF2-40B4-BE49-F238E27FC236}">
-                <a16:creationId xmlns:a16="http://schemas.microsoft.com/office/drawing/2014/main" id="{9818112E-9C53-48E5-98A3-CCC65CB037DD}"/>
+          <p:cNvPr id="11" name="Grafik 10" descr="Ein Bild, das Screenshot enthält.&#10;&#10;Mit sehr hoher Zuverlässigkeit generierte Beschreibung">
+            <a:extLst>
+              <a:ext uri="{FF2B5EF4-FFF2-40B4-BE49-F238E27FC236}">
+                <a16:creationId xmlns:a16="http://schemas.microsoft.com/office/drawing/2014/main" id="{940DF90B-69D5-497A-ABC9-C1696229F4A7}"/>
               </a:ext>
             </a:extLst>
           </p:cNvPr>
@@ -4284,8 +4386,8 @@
         </p:blipFill>
         <p:spPr>
           <a:xfrm>
-            <a:off x="5571057" y="492573"/>
-            <a:ext cx="5719074" cy="5880796"/>
+            <a:off x="5153822" y="1933848"/>
+            <a:ext cx="6553545" cy="2998246"/>
           </a:xfrm>
           <a:prstGeom prst="rect">
             <a:avLst/>
@@ -4305,7 +4407,7 @@
 </p:sld>
 </file>
 
-<file path=ppt/slides/slide6.xml><?xml version="1.0" encoding="utf-8"?>
+<file path=ppt/slides/slide5.xml><?xml version="1.0" encoding="utf-8"?>
 <p:sld xmlns:a="http://schemas.openxmlformats.org/drawingml/2006/main" xmlns:r="http://schemas.openxmlformats.org/officeDocument/2006/relationships" xmlns:p="http://schemas.openxmlformats.org/presentationml/2006/main">
   <p:cSld>
     <p:bg>
@@ -4332,7 +4434,7 @@
       </p:grpSpPr>
       <p:sp>
         <p:nvSpPr>
-          <p:cNvPr id="22" name="Rectangle 21">
+          <p:cNvPr id="10" name="Rectangle 9">
             <a:extLst>
               <a:ext uri="{FF2B5EF4-FFF2-40B4-BE49-F238E27FC236}">
                 <a16:creationId xmlns:a16="http://schemas.microsoft.com/office/drawing/2014/main" id="{AB45A142-4255-493C-8284-5D566C121B10}"/>
@@ -4404,6 +4506,549 @@
           <p:cNvPr id="2" name="Titel 1">
             <a:extLst>
               <a:ext uri="{FF2B5EF4-FFF2-40B4-BE49-F238E27FC236}">
+                <a16:creationId xmlns:a16="http://schemas.microsoft.com/office/drawing/2014/main" id="{225E7E1F-5D19-4B6F-A302-180F3A23B845}"/>
+              </a:ext>
+            </a:extLst>
+          </p:cNvPr>
+          <p:cNvSpPr>
+            <a:spLocks noGrp="1"/>
+          </p:cNvSpPr>
+          <p:nvPr>
+            <p:ph type="title"/>
+          </p:nvPr>
+        </p:nvSpPr>
+        <p:spPr>
+          <a:xfrm>
+            <a:off x="674237" y="914400"/>
+            <a:ext cx="3657600" cy="2887579"/>
+          </a:xfrm>
+        </p:spPr>
+        <p:txBody>
+          <a:bodyPr vert="horz" lIns="91440" tIns="45720" rIns="91440" bIns="45720" rtlCol="0" anchor="b">
+            <a:normAutofit/>
+          </a:bodyPr>
+          <a:lstStyle/>
+          <a:p>
+            <a:pPr algn="ctr"/>
+            <a:r>
+              <a:rPr lang="en-US" sz="4800" kern="1200">
+                <a:solidFill>
+                  <a:srgbClr val="FFFFFF"/>
+                </a:solidFill>
+                <a:latin typeface="+mj-lt"/>
+                <a:ea typeface="+mj-ea"/>
+                <a:cs typeface="+mj-cs"/>
+              </a:rPr>
+              <a:t>Aufbau</a:t>
+            </a:r>
+          </a:p>
+        </p:txBody>
+      </p:sp>
+      <p:cxnSp>
+        <p:nvCxnSpPr>
+          <p:cNvPr id="12" name="Straight Connector 11">
+            <a:extLst>
+              <a:ext uri="{FF2B5EF4-FFF2-40B4-BE49-F238E27FC236}">
+                <a16:creationId xmlns:a16="http://schemas.microsoft.com/office/drawing/2014/main" id="{38FB9660-F42F-4313-BBC4-47C007FE484C}"/>
+              </a:ext>
+              <a:ext uri="{C183D7F6-B498-43B3-948B-1728B52AA6E4}">
+                <adec:decorative xmlns:adec="http://schemas.microsoft.com/office/drawing/2017/decorative" val="1"/>
+              </a:ext>
+            </a:extLst>
+          </p:cNvPr>
+          <p:cNvCxnSpPr>
+            <a:cxnSpLocks noGrp="1" noRot="1" noChangeAspect="1" noMove="1" noResize="1" noEditPoints="1" noAdjustHandles="1" noChangeArrowheads="1" noChangeShapeType="1"/>
+          </p:cNvCxnSpPr>
+          <p:nvPr>
+            <p:extLst>
+              <p:ext uri="{386F3935-93C4-4BCD-93E2-E3B085C9AB24}">
+                <p16:designElem xmlns:p16="http://schemas.microsoft.com/office/powerpoint/2015/main" val="1"/>
+              </p:ext>
+            </p:extLst>
+          </p:nvPr>
+        </p:nvCxnSpPr>
+        <p:spPr>
+          <a:xfrm>
+            <a:off x="1191126" y="3910267"/>
+            <a:ext cx="2586790" cy="0"/>
+          </a:xfrm>
+          <a:prstGeom prst="line">
+            <a:avLst/>
+          </a:prstGeom>
+          <a:ln w="22225">
+            <a:solidFill>
+              <a:srgbClr val="D9D9D9"/>
+            </a:solidFill>
+          </a:ln>
+        </p:spPr>
+        <p:style>
+          <a:lnRef idx="1">
+            <a:schemeClr val="accent1"/>
+          </a:lnRef>
+          <a:fillRef idx="0">
+            <a:schemeClr val="accent1"/>
+          </a:fillRef>
+          <a:effectRef idx="0">
+            <a:schemeClr val="accent1"/>
+          </a:effectRef>
+          <a:fontRef idx="minor">
+            <a:schemeClr val="tx1"/>
+          </a:fontRef>
+        </p:style>
+      </p:cxnSp>
+      <p:pic>
+        <p:nvPicPr>
+          <p:cNvPr id="5" name="Inhaltsplatzhalter 4" descr="Ein Bild, das Screenshot enthält.&#10;&#10;Mit hoher Zuverlässigkeit generierte Beschreibung">
+            <a:extLst>
+              <a:ext uri="{FF2B5EF4-FFF2-40B4-BE49-F238E27FC236}">
+                <a16:creationId xmlns:a16="http://schemas.microsoft.com/office/drawing/2014/main" id="{15E8D24F-86E5-4B48-812A-8B9E584D989B}"/>
+              </a:ext>
+            </a:extLst>
+          </p:cNvPr>
+          <p:cNvPicPr>
+            <a:picLocks noGrp="1" noChangeAspect="1"/>
+          </p:cNvPicPr>
+          <p:nvPr>
+            <p:ph idx="1"/>
+          </p:nvPr>
+        </p:nvPicPr>
+        <p:blipFill>
+          <a:blip r:embed="rId2">
+            <a:extLst>
+              <a:ext uri="{28A0092B-C50C-407E-A947-70E740481C1C}">
+                <a14:useLocalDpi xmlns:a14="http://schemas.microsoft.com/office/drawing/2010/main" val="0"/>
+              </a:ext>
+            </a:extLst>
+          </a:blip>
+          <a:stretch>
+            <a:fillRect/>
+          </a:stretch>
+        </p:blipFill>
+        <p:spPr>
+          <a:xfrm>
+            <a:off x="5153822" y="573987"/>
+            <a:ext cx="6553545" cy="5717968"/>
+          </a:xfrm>
+          <a:prstGeom prst="rect">
+            <a:avLst/>
+          </a:prstGeom>
+        </p:spPr>
+      </p:pic>
+    </p:spTree>
+    <p:extLst>
+      <p:ext uri="{BB962C8B-B14F-4D97-AF65-F5344CB8AC3E}">
+        <p14:creationId xmlns:p14="http://schemas.microsoft.com/office/powerpoint/2010/main" val="2761171750"/>
+      </p:ext>
+    </p:extLst>
+  </p:cSld>
+  <p:clrMapOvr>
+    <a:masterClrMapping/>
+  </p:clrMapOvr>
+</p:sld>
+</file>
+
+<file path=ppt/slides/slide6.xml><?xml version="1.0" encoding="utf-8"?>
+<p:sld xmlns:a="http://schemas.openxmlformats.org/drawingml/2006/main" xmlns:r="http://schemas.openxmlformats.org/officeDocument/2006/relationships" xmlns:p="http://schemas.openxmlformats.org/presentationml/2006/main">
+  <p:cSld>
+    <p:bg>
+      <p:bgPr>
+        <a:solidFill>
+          <a:schemeClr val="bg1"/>
+        </a:solidFill>
+        <a:effectLst/>
+      </p:bgPr>
+    </p:bg>
+    <p:spTree>
+      <p:nvGrpSpPr>
+        <p:cNvPr id="1" name=""/>
+        <p:cNvGrpSpPr/>
+        <p:nvPr/>
+      </p:nvGrpSpPr>
+      <p:grpSpPr>
+        <a:xfrm>
+          <a:off x="0" y="0"/>
+          <a:ext cx="0" cy="0"/>
+          <a:chOff x="0" y="0"/>
+          <a:chExt cx="0" cy="0"/>
+        </a:xfrm>
+      </p:grpSpPr>
+      <p:sp>
+        <p:nvSpPr>
+          <p:cNvPr id="13" name="Rectangle 12">
+            <a:extLst>
+              <a:ext uri="{FF2B5EF4-FFF2-40B4-BE49-F238E27FC236}">
+                <a16:creationId xmlns:a16="http://schemas.microsoft.com/office/drawing/2014/main" id="{867D4867-5BA7-4462-B2F6-A23F4A622AA7}"/>
+              </a:ext>
+              <a:ext uri="{C183D7F6-B498-43B3-948B-1728B52AA6E4}">
+                <adec:decorative xmlns:adec="http://schemas.microsoft.com/office/drawing/2017/decorative" val="1"/>
+              </a:ext>
+            </a:extLst>
+          </p:cNvPr>
+          <p:cNvSpPr>
+            <a:spLocks noGrp="1" noRot="1" noChangeAspect="1" noMove="1" noResize="1" noEditPoints="1" noAdjustHandles="1" noChangeArrowheads="1" noChangeShapeType="1" noTextEdit="1"/>
+          </p:cNvSpPr>
+          <p:nvPr>
+            <p:extLst>
+              <p:ext uri="{386F3935-93C4-4BCD-93E2-E3B085C9AB24}">
+                <p16:designElem xmlns:p16="http://schemas.microsoft.com/office/powerpoint/2015/main" val="1"/>
+              </p:ext>
+            </p:extLst>
+          </p:nvPr>
+        </p:nvSpPr>
+        <p:spPr>
+          <a:xfrm>
+            <a:off x="0" y="0"/>
+            <a:ext cx="4654296" cy="6858000"/>
+          </a:xfrm>
+          <a:prstGeom prst="rect">
+            <a:avLst/>
+          </a:prstGeom>
+          <a:solidFill>
+            <a:schemeClr val="tx1">
+              <a:lumMod val="75000"/>
+              <a:lumOff val="25000"/>
+            </a:schemeClr>
+          </a:solidFill>
+          <a:ln>
+            <a:noFill/>
+          </a:ln>
+        </p:spPr>
+        <p:style>
+          <a:lnRef idx="0">
+            <a:scrgbClr r="0" g="0" b="0"/>
+          </a:lnRef>
+          <a:fillRef idx="0">
+            <a:scrgbClr r="0" g="0" b="0"/>
+          </a:fillRef>
+          <a:effectRef idx="0">
+            <a:scrgbClr r="0" g="0" b="0"/>
+          </a:effectRef>
+          <a:fontRef idx="minor">
+            <a:schemeClr val="lt1"/>
+          </a:fontRef>
+        </p:style>
+        <p:txBody>
+          <a:bodyPr rtlCol="0" anchor="ctr"/>
+          <a:lstStyle/>
+          <a:p>
+            <a:pPr algn="ctr"/>
+            <a:endParaRPr lang="en-US"/>
+          </a:p>
+        </p:txBody>
+      </p:sp>
+      <p:sp>
+        <p:nvSpPr>
+          <p:cNvPr id="2" name="Titel 1">
+            <a:extLst>
+              <a:ext uri="{FF2B5EF4-FFF2-40B4-BE49-F238E27FC236}">
+                <a16:creationId xmlns:a16="http://schemas.microsoft.com/office/drawing/2014/main" id="{9FEE0431-5814-4A95-9BA2-E11F21BC24F8}"/>
+              </a:ext>
+            </a:extLst>
+          </p:cNvPr>
+          <p:cNvSpPr>
+            <a:spLocks noGrp="1"/>
+          </p:cNvSpPr>
+          <p:nvPr>
+            <p:ph type="title"/>
+          </p:nvPr>
+        </p:nvSpPr>
+        <p:spPr>
+          <a:xfrm>
+            <a:off x="643467" y="643467"/>
+            <a:ext cx="3363974" cy="1597315"/>
+          </a:xfrm>
+          <a:noFill/>
+          <a:ln w="19050">
+            <a:solidFill>
+              <a:schemeClr val="bg1"/>
+            </a:solidFill>
+          </a:ln>
+        </p:spPr>
+        <p:txBody>
+          <a:bodyPr wrap="square">
+            <a:normAutofit/>
+          </a:bodyPr>
+          <a:lstStyle/>
+          <a:p>
+            <a:pPr algn="ctr"/>
+            <a:r>
+              <a:rPr lang="de-DE" sz="2800">
+                <a:solidFill>
+                  <a:schemeClr val="bg1"/>
+                </a:solidFill>
+              </a:rPr>
+              <a:t>SOLID</a:t>
+            </a:r>
+          </a:p>
+        </p:txBody>
+      </p:sp>
+      <p:pic>
+        <p:nvPicPr>
+          <p:cNvPr id="5" name="Inhaltsplatzhalter 4">
+            <a:extLst>
+              <a:ext uri="{FF2B5EF4-FFF2-40B4-BE49-F238E27FC236}">
+                <a16:creationId xmlns:a16="http://schemas.microsoft.com/office/drawing/2014/main" id="{4C985FFA-2A90-45AA-8738-6B24580BBC7D}"/>
+              </a:ext>
+            </a:extLst>
+          </p:cNvPr>
+          <p:cNvPicPr>
+            <a:picLocks noGrp="1" noChangeAspect="1"/>
+          </p:cNvPicPr>
+          <p:nvPr>
+            <p:ph idx="1"/>
+          </p:nvPr>
+        </p:nvPicPr>
+        <p:blipFill>
+          <a:blip r:embed="rId2">
+            <a:extLst>
+              <a:ext uri="{28A0092B-C50C-407E-A947-70E740481C1C}">
+                <a14:useLocalDpi xmlns:a14="http://schemas.microsoft.com/office/drawing/2010/main" val="0"/>
+              </a:ext>
+            </a:extLst>
+          </a:blip>
+          <a:stretch>
+            <a:fillRect/>
+          </a:stretch>
+        </p:blipFill>
+        <p:spPr>
+          <a:xfrm>
+            <a:off x="6015269" y="1549577"/>
+            <a:ext cx="5772150" cy="3962400"/>
+          </a:xfrm>
+        </p:spPr>
+      </p:pic>
+      <p:sp>
+        <p:nvSpPr>
+          <p:cNvPr id="6" name="Textfeld 5">
+            <a:extLst>
+              <a:ext uri="{FF2B5EF4-FFF2-40B4-BE49-F238E27FC236}">
+                <a16:creationId xmlns:a16="http://schemas.microsoft.com/office/drawing/2014/main" id="{7FEC3FC4-B7A4-4C76-A487-995216CABB1B}"/>
+              </a:ext>
+            </a:extLst>
+          </p:cNvPr>
+          <p:cNvSpPr txBox="1"/>
+          <p:nvPr/>
+        </p:nvSpPr>
+        <p:spPr>
+          <a:xfrm>
+            <a:off x="589787" y="2514917"/>
+            <a:ext cx="3471333" cy="3416320"/>
+          </a:xfrm>
+          <a:prstGeom prst="rect">
+            <a:avLst/>
+          </a:prstGeom>
+          <a:noFill/>
+        </p:spPr>
+        <p:txBody>
+          <a:bodyPr wrap="square" rtlCol="0">
+            <a:spAutoFit/>
+          </a:bodyPr>
+          <a:lstStyle/>
+          <a:p>
+            <a:r>
+              <a:rPr lang="de-DE" dirty="0">
+                <a:solidFill>
+                  <a:schemeClr val="bg1"/>
+                </a:solidFill>
+              </a:rPr>
+              <a:t>S : Aufgabe kennt nur eigenen Status (erledigt / nicht erledigt)</a:t>
+            </a:r>
+          </a:p>
+          <a:p>
+            <a:endParaRPr lang="de-DE" dirty="0">
+              <a:solidFill>
+                <a:schemeClr val="bg1"/>
+              </a:solidFill>
+            </a:endParaRPr>
+          </a:p>
+          <a:p>
+            <a:r>
+              <a:rPr lang="de-DE" dirty="0">
+                <a:solidFill>
+                  <a:schemeClr val="bg1"/>
+                </a:solidFill>
+              </a:rPr>
+              <a:t>O: Leicht erweiterbar (z.B.: Terminierte Aufgabe)</a:t>
+            </a:r>
+          </a:p>
+          <a:p>
+            <a:endParaRPr lang="de-DE" dirty="0">
+              <a:solidFill>
+                <a:schemeClr val="bg1"/>
+              </a:solidFill>
+            </a:endParaRPr>
+          </a:p>
+          <a:p>
+            <a:r>
+              <a:rPr lang="de-DE" dirty="0">
+                <a:solidFill>
+                  <a:schemeClr val="bg1"/>
+                </a:solidFill>
+              </a:rPr>
+              <a:t>L: nein da Add nur bei Liste</a:t>
+            </a:r>
+          </a:p>
+          <a:p>
+            <a:endParaRPr lang="de-DE" dirty="0">
+              <a:solidFill>
+                <a:schemeClr val="bg1"/>
+              </a:solidFill>
+            </a:endParaRPr>
+          </a:p>
+          <a:p>
+            <a:r>
+              <a:rPr lang="de-DE" dirty="0">
+                <a:solidFill>
+                  <a:schemeClr val="bg1"/>
+                </a:solidFill>
+              </a:rPr>
+              <a:t>I: Aufgabe wird von allen benutzt</a:t>
+            </a:r>
+          </a:p>
+          <a:p>
+            <a:endParaRPr lang="de-DE" dirty="0">
+              <a:solidFill>
+                <a:schemeClr val="bg1"/>
+              </a:solidFill>
+            </a:endParaRPr>
+          </a:p>
+          <a:p>
+            <a:r>
+              <a:rPr lang="de-DE" dirty="0">
+                <a:solidFill>
+                  <a:schemeClr val="bg1"/>
+                </a:solidFill>
+              </a:rPr>
+              <a:t>D: Abhängigkeit von </a:t>
+            </a:r>
+            <a:r>
+              <a:rPr lang="de-DE">
+                <a:solidFill>
+                  <a:schemeClr val="bg1"/>
+                </a:solidFill>
+              </a:rPr>
+              <a:t>Abstrakter Aufgabe</a:t>
+            </a:r>
+            <a:endParaRPr lang="de-DE" dirty="0">
+              <a:solidFill>
+                <a:schemeClr val="bg1"/>
+              </a:solidFill>
+            </a:endParaRPr>
+          </a:p>
+        </p:txBody>
+      </p:sp>
+    </p:spTree>
+    <p:extLst>
+      <p:ext uri="{BB962C8B-B14F-4D97-AF65-F5344CB8AC3E}">
+        <p14:creationId xmlns:p14="http://schemas.microsoft.com/office/powerpoint/2010/main" val="3081512563"/>
+      </p:ext>
+    </p:extLst>
+  </p:cSld>
+  <p:clrMapOvr>
+    <a:masterClrMapping/>
+  </p:clrMapOvr>
+</p:sld>
+</file>
+
+<file path=ppt/slides/slide7.xml><?xml version="1.0" encoding="utf-8"?>
+<p:sld xmlns:a="http://schemas.openxmlformats.org/drawingml/2006/main" xmlns:r="http://schemas.openxmlformats.org/officeDocument/2006/relationships" xmlns:p="http://schemas.openxmlformats.org/presentationml/2006/main">
+  <p:cSld>
+    <p:bg>
+      <p:bgPr>
+        <a:solidFill>
+          <a:schemeClr val="bg1"/>
+        </a:solidFill>
+        <a:effectLst/>
+      </p:bgPr>
+    </p:bg>
+    <p:spTree>
+      <p:nvGrpSpPr>
+        <p:cNvPr id="1" name=""/>
+        <p:cNvGrpSpPr/>
+        <p:nvPr/>
+      </p:nvGrpSpPr>
+      <p:grpSpPr>
+        <a:xfrm>
+          <a:off x="0" y="0"/>
+          <a:ext cx="0" cy="0"/>
+          <a:chOff x="0" y="0"/>
+          <a:chExt cx="0" cy="0"/>
+        </a:xfrm>
+      </p:grpSpPr>
+      <p:sp>
+        <p:nvSpPr>
+          <p:cNvPr id="22" name="Rectangle 21">
+            <a:extLst>
+              <a:ext uri="{FF2B5EF4-FFF2-40B4-BE49-F238E27FC236}">
+                <a16:creationId xmlns:a16="http://schemas.microsoft.com/office/drawing/2014/main" id="{AB45A142-4255-493C-8284-5D566C121B10}"/>
+              </a:ext>
+              <a:ext uri="{C183D7F6-B498-43B3-948B-1728B52AA6E4}">
+                <adec:decorative xmlns:adec="http://schemas.microsoft.com/office/drawing/2017/decorative" val="1"/>
+              </a:ext>
+            </a:extLst>
+          </p:cNvPr>
+          <p:cNvSpPr>
+            <a:spLocks noGrp="1" noRot="1" noChangeAspect="1" noMove="1" noResize="1" noEditPoints="1" noAdjustHandles="1" noChangeArrowheads="1" noChangeShapeType="1" noTextEdit="1"/>
+          </p:cNvSpPr>
+          <p:nvPr>
+            <p:extLst>
+              <p:ext uri="{386F3935-93C4-4BCD-93E2-E3B085C9AB24}">
+                <p16:designElem xmlns:p16="http://schemas.microsoft.com/office/powerpoint/2015/main" val="1"/>
+              </p:ext>
+            </p:extLst>
+          </p:nvPr>
+        </p:nvSpPr>
+        <p:spPr bwMode="ltGray">
+          <a:xfrm>
+            <a:off x="336884" y="321177"/>
+            <a:ext cx="4332307" cy="6179552"/>
+          </a:xfrm>
+          <a:prstGeom prst="rect">
+            <a:avLst/>
+          </a:prstGeom>
+          <a:solidFill>
+            <a:srgbClr val="404040">
+              <a:alpha val="89804"/>
+            </a:srgbClr>
+          </a:solidFill>
+          <a:ln w="127000" cap="sq" cmpd="thinThick">
+            <a:solidFill>
+              <a:srgbClr val="595959">
+                <a:alpha val="80000"/>
+              </a:srgbClr>
+            </a:solidFill>
+          </a:ln>
+        </p:spPr>
+        <p:style>
+          <a:lnRef idx="2">
+            <a:schemeClr val="accent1">
+              <a:shade val="50000"/>
+            </a:schemeClr>
+          </a:lnRef>
+          <a:fillRef idx="1">
+            <a:schemeClr val="accent1"/>
+          </a:fillRef>
+          <a:effectRef idx="0">
+            <a:schemeClr val="accent1"/>
+          </a:effectRef>
+          <a:fontRef idx="minor">
+            <a:schemeClr val="lt1"/>
+          </a:fontRef>
+        </p:style>
+        <p:txBody>
+          <a:bodyPr rtlCol="0" anchor="ctr"/>
+          <a:lstStyle/>
+          <a:p>
+            <a:pPr algn="ctr"/>
+            <a:endParaRPr lang="en-US"/>
+          </a:p>
+        </p:txBody>
+      </p:sp>
+      <p:sp>
+        <p:nvSpPr>
+          <p:cNvPr id="2" name="Titel 1">
+            <a:extLst>
+              <a:ext uri="{FF2B5EF4-FFF2-40B4-BE49-F238E27FC236}">
                 <a16:creationId xmlns:a16="http://schemas.microsoft.com/office/drawing/2014/main" id="{87B03F05-58E3-4BA8-B559-947234075038}"/>
               </a:ext>
             </a:extLst>
@@ -4530,6 +5175,292 @@
     <p:extLst>
       <p:ext uri="{BB962C8B-B14F-4D97-AF65-F5344CB8AC3E}">
         <p14:creationId xmlns:p14="http://schemas.microsoft.com/office/powerpoint/2010/main" val="1173556825"/>
+      </p:ext>
+    </p:extLst>
+  </p:cSld>
+  <p:clrMapOvr>
+    <a:masterClrMapping/>
+  </p:clrMapOvr>
+</p:sld>
+</file>
+
+<file path=ppt/slides/slide8.xml><?xml version="1.0" encoding="utf-8"?>
+<p:sld xmlns:a="http://schemas.openxmlformats.org/drawingml/2006/main" xmlns:r="http://schemas.openxmlformats.org/officeDocument/2006/relationships" xmlns:p="http://schemas.openxmlformats.org/presentationml/2006/main">
+  <p:cSld>
+    <p:bg>
+      <p:bgPr>
+        <a:solidFill>
+          <a:schemeClr val="bg1"/>
+        </a:solidFill>
+        <a:effectLst/>
+      </p:bgPr>
+    </p:bg>
+    <p:spTree>
+      <p:nvGrpSpPr>
+        <p:cNvPr id="1" name=""/>
+        <p:cNvGrpSpPr/>
+        <p:nvPr/>
+      </p:nvGrpSpPr>
+      <p:grpSpPr>
+        <a:xfrm>
+          <a:off x="0" y="0"/>
+          <a:ext cx="0" cy="0"/>
+          <a:chOff x="0" y="0"/>
+          <a:chExt cx="0" cy="0"/>
+        </a:xfrm>
+      </p:grpSpPr>
+      <p:sp>
+        <p:nvSpPr>
+          <p:cNvPr id="10" name="Rectangle 9">
+            <a:extLst>
+              <a:ext uri="{FF2B5EF4-FFF2-40B4-BE49-F238E27FC236}">
+                <a16:creationId xmlns:a16="http://schemas.microsoft.com/office/drawing/2014/main" id="{AB45A142-4255-493C-8284-5D566C121B10}"/>
+              </a:ext>
+              <a:ext uri="{C183D7F6-B498-43B3-948B-1728B52AA6E4}">
+                <adec:decorative xmlns:adec="http://schemas.microsoft.com/office/drawing/2017/decorative" val="1"/>
+              </a:ext>
+            </a:extLst>
+          </p:cNvPr>
+          <p:cNvSpPr>
+            <a:spLocks noGrp="1" noRot="1" noChangeAspect="1" noMove="1" noResize="1" noEditPoints="1" noAdjustHandles="1" noChangeArrowheads="1" noChangeShapeType="1" noTextEdit="1"/>
+          </p:cNvSpPr>
+          <p:nvPr>
+            <p:extLst>
+              <p:ext uri="{386F3935-93C4-4BCD-93E2-E3B085C9AB24}">
+                <p16:designElem xmlns:p16="http://schemas.microsoft.com/office/powerpoint/2015/main" val="1"/>
+              </p:ext>
+            </p:extLst>
+          </p:nvPr>
+        </p:nvSpPr>
+        <p:spPr bwMode="ltGray">
+          <a:xfrm>
+            <a:off x="336884" y="321177"/>
+            <a:ext cx="4332307" cy="6179552"/>
+          </a:xfrm>
+          <a:prstGeom prst="rect">
+            <a:avLst/>
+          </a:prstGeom>
+          <a:solidFill>
+            <a:srgbClr val="404040">
+              <a:alpha val="89804"/>
+            </a:srgbClr>
+          </a:solidFill>
+          <a:ln w="127000" cap="sq" cmpd="thinThick">
+            <a:solidFill>
+              <a:srgbClr val="595959">
+                <a:alpha val="80000"/>
+              </a:srgbClr>
+            </a:solidFill>
+          </a:ln>
+        </p:spPr>
+        <p:style>
+          <a:lnRef idx="2">
+            <a:schemeClr val="accent1">
+              <a:shade val="50000"/>
+            </a:schemeClr>
+          </a:lnRef>
+          <a:fillRef idx="1">
+            <a:schemeClr val="accent1"/>
+          </a:fillRef>
+          <a:effectRef idx="0">
+            <a:schemeClr val="accent1"/>
+          </a:effectRef>
+          <a:fontRef idx="minor">
+            <a:schemeClr val="lt1"/>
+          </a:fontRef>
+        </p:style>
+        <p:txBody>
+          <a:bodyPr rtlCol="0" anchor="ctr"/>
+          <a:lstStyle/>
+          <a:p>
+            <a:pPr algn="ctr"/>
+            <a:endParaRPr lang="en-US"/>
+          </a:p>
+        </p:txBody>
+      </p:sp>
+      <p:sp>
+        <p:nvSpPr>
+          <p:cNvPr id="2" name="Titel 1">
+            <a:extLst>
+              <a:ext uri="{FF2B5EF4-FFF2-40B4-BE49-F238E27FC236}">
+                <a16:creationId xmlns:a16="http://schemas.microsoft.com/office/drawing/2014/main" id="{DE980F7C-DB75-4EC7-87CF-A5BFB6486172}"/>
+              </a:ext>
+            </a:extLst>
+          </p:cNvPr>
+          <p:cNvSpPr>
+            <a:spLocks noGrp="1"/>
+          </p:cNvSpPr>
+          <p:nvPr>
+            <p:ph type="title"/>
+          </p:nvPr>
+        </p:nvSpPr>
+        <p:spPr>
+          <a:xfrm>
+            <a:off x="674237" y="914400"/>
+            <a:ext cx="3657600" cy="2887579"/>
+          </a:xfrm>
+        </p:spPr>
+        <p:txBody>
+          <a:bodyPr vert="horz" lIns="91440" tIns="45720" rIns="91440" bIns="45720" rtlCol="0" anchor="b">
+            <a:normAutofit/>
+          </a:bodyPr>
+          <a:lstStyle/>
+          <a:p>
+            <a:pPr algn="ctr"/>
+            <a:r>
+              <a:rPr lang="en-US" sz="4800" kern="1200">
+                <a:solidFill>
+                  <a:srgbClr val="FFFFFF"/>
+                </a:solidFill>
+                <a:latin typeface="+mj-lt"/>
+                <a:ea typeface="+mj-ea"/>
+                <a:cs typeface="+mj-cs"/>
+              </a:rPr>
+              <a:t>Anwendung in Java</a:t>
+            </a:r>
+          </a:p>
+        </p:txBody>
+      </p:sp>
+      <p:cxnSp>
+        <p:nvCxnSpPr>
+          <p:cNvPr id="12" name="Straight Connector 11">
+            <a:extLst>
+              <a:ext uri="{FF2B5EF4-FFF2-40B4-BE49-F238E27FC236}">
+                <a16:creationId xmlns:a16="http://schemas.microsoft.com/office/drawing/2014/main" id="{38FB9660-F42F-4313-BBC4-47C007FE484C}"/>
+              </a:ext>
+              <a:ext uri="{C183D7F6-B498-43B3-948B-1728B52AA6E4}">
+                <adec:decorative xmlns:adec="http://schemas.microsoft.com/office/drawing/2017/decorative" val="1"/>
+              </a:ext>
+            </a:extLst>
+          </p:cNvPr>
+          <p:cNvCxnSpPr>
+            <a:cxnSpLocks noGrp="1" noRot="1" noChangeAspect="1" noMove="1" noResize="1" noEditPoints="1" noAdjustHandles="1" noChangeArrowheads="1" noChangeShapeType="1"/>
+          </p:cNvCxnSpPr>
+          <p:nvPr>
+            <p:extLst>
+              <p:ext uri="{386F3935-93C4-4BCD-93E2-E3B085C9AB24}">
+                <p16:designElem xmlns:p16="http://schemas.microsoft.com/office/powerpoint/2015/main" val="1"/>
+              </p:ext>
+            </p:extLst>
+          </p:nvPr>
+        </p:nvCxnSpPr>
+        <p:spPr>
+          <a:xfrm>
+            <a:off x="1191126" y="3910267"/>
+            <a:ext cx="2586790" cy="0"/>
+          </a:xfrm>
+          <a:prstGeom prst="line">
+            <a:avLst/>
+          </a:prstGeom>
+          <a:ln w="22225">
+            <a:solidFill>
+              <a:srgbClr val="D9D9D9"/>
+            </a:solidFill>
+          </a:ln>
+        </p:spPr>
+        <p:style>
+          <a:lnRef idx="1">
+            <a:schemeClr val="accent1"/>
+          </a:lnRef>
+          <a:fillRef idx="0">
+            <a:schemeClr val="accent1"/>
+          </a:fillRef>
+          <a:effectRef idx="0">
+            <a:schemeClr val="accent1"/>
+          </a:effectRef>
+          <a:fontRef idx="minor">
+            <a:schemeClr val="tx1"/>
+          </a:fontRef>
+        </p:style>
+      </p:cxnSp>
+      <p:pic>
+        <p:nvPicPr>
+          <p:cNvPr id="5" name="Inhaltsplatzhalter 4">
+            <a:extLst>
+              <a:ext uri="{FF2B5EF4-FFF2-40B4-BE49-F238E27FC236}">
+                <a16:creationId xmlns:a16="http://schemas.microsoft.com/office/drawing/2014/main" id="{ECE62677-BEA4-4276-8CAC-63D21C6EE37B}"/>
+              </a:ext>
+            </a:extLst>
+          </p:cNvPr>
+          <p:cNvPicPr>
+            <a:picLocks noGrp="1" noChangeAspect="1"/>
+          </p:cNvPicPr>
+          <p:nvPr>
+            <p:ph idx="1"/>
+          </p:nvPr>
+        </p:nvPicPr>
+        <p:blipFill>
+          <a:blip r:embed="rId2">
+            <a:extLst>
+              <a:ext uri="{28A0092B-C50C-407E-A947-70E740481C1C}">
+                <a14:useLocalDpi xmlns:a14="http://schemas.microsoft.com/office/drawing/2010/main" val="0"/>
+              </a:ext>
+              <a:ext uri="{96DAC541-7B7A-43D3-8B79-37D633B846F1}">
+                <asvg:svgBlip xmlns:asvg="http://schemas.microsoft.com/office/drawing/2016/SVG/main" r:embed="rId3"/>
+              </a:ext>
+            </a:extLst>
+          </a:blip>
+          <a:stretch>
+            <a:fillRect/>
+          </a:stretch>
+        </p:blipFill>
+        <p:spPr>
+          <a:xfrm>
+            <a:off x="4935984" y="914400"/>
+            <a:ext cx="6553545" cy="5405870"/>
+          </a:xfrm>
+          <a:prstGeom prst="rect">
+            <a:avLst/>
+          </a:prstGeom>
+        </p:spPr>
+      </p:pic>
+      <p:sp>
+        <p:nvSpPr>
+          <p:cNvPr id="6" name="Textfeld 5">
+            <a:extLst>
+              <a:ext uri="{FF2B5EF4-FFF2-40B4-BE49-F238E27FC236}">
+                <a16:creationId xmlns:a16="http://schemas.microsoft.com/office/drawing/2014/main" id="{BDC24AF1-069F-4104-A57C-7ACCA5AE7E71}"/>
+              </a:ext>
+            </a:extLst>
+          </p:cNvPr>
+          <p:cNvSpPr txBox="1"/>
+          <p:nvPr/>
+        </p:nvSpPr>
+        <p:spPr>
+          <a:xfrm>
+            <a:off x="4935984" y="435006"/>
+            <a:ext cx="6800296" cy="646331"/>
+          </a:xfrm>
+          <a:prstGeom prst="rect">
+            <a:avLst/>
+          </a:prstGeom>
+          <a:noFill/>
+        </p:spPr>
+        <p:txBody>
+          <a:bodyPr wrap="square" rtlCol="0">
+            <a:spAutoFit/>
+          </a:bodyPr>
+          <a:lstStyle/>
+          <a:p>
+            <a:r>
+              <a:rPr lang="de-DE" dirty="0"/>
+              <a:t>AWT: </a:t>
+            </a:r>
+            <a:r>
+              <a:rPr lang="de-DE" dirty="0" err="1"/>
+              <a:t>java.awt.Component</a:t>
+            </a:r>
+            <a:endParaRPr lang="de-DE" dirty="0"/>
+          </a:p>
+          <a:p>
+            <a:endParaRPr lang="de-DE" dirty="0"/>
+          </a:p>
+        </p:txBody>
+      </p:sp>
+    </p:spTree>
+    <p:extLst>
+      <p:ext uri="{BB962C8B-B14F-4D97-AF65-F5344CB8AC3E}">
+        <p14:creationId xmlns:p14="http://schemas.microsoft.com/office/powerpoint/2010/main" val="3530174799"/>
       </p:ext>
     </p:extLst>
   </p:cSld>
